--- a/src/main/resources/ppt/6min_page1.pptx
+++ b/src/main/resources/ppt/6min_page1.pptx
@@ -250,7 +250,7 @@
           <a:p>
             <a:fld id="{DA8CF587-CAF5-4853-AEA4-9EF193279EE4}" type="datetimeFigureOut">
               <a:rPr lang="zh-CN" altLang="en-US" smtClean="0"/>
-              <a:t>2025/1/14</a:t>
+              <a:t>2025/2/11</a:t>
             </a:fld>
             <a:endParaRPr lang="zh-CN" altLang="en-US"/>
           </a:p>
@@ -427,7 +427,7 @@
           <a:p>
             <a:fld id="{58A7BC4A-64BD-4CBA-942B-C0BE56F3FAF3}" type="datetimeFigureOut">
               <a:rPr lang="zh-CN" altLang="en-US" smtClean="0"/>
-              <a:t>2025/1/14</a:t>
+              <a:t>2025/2/11</a:t>
             </a:fld>
             <a:endParaRPr lang="zh-CN" altLang="en-US"/>
           </a:p>
@@ -2979,7 +2979,7 @@
           <a:lstStyle>
             <a:lvl1pPr marL="0" indent="0">
               <a:buNone/>
-              <a:defRPr sz="4800" b="1">
+              <a:defRPr sz="5400" b="1">
                 <a:latin typeface="Droid Sans Fallback"/>
                 <a:ea typeface="黑体" panose="02010609060101010101" pitchFamily="49" charset="-122"/>
               </a:defRPr>
@@ -12359,6 +12359,24 @@
       </p:grpSpPr>
       <p:sp>
         <p:nvSpPr>
+          <p:cNvPr id="2" name="图片占位符 1">
+            <a:extLst>
+              <a:ext uri="{FF2B5EF4-FFF2-40B4-BE49-F238E27FC236}">
+                <a16:creationId xmlns:a16="http://schemas.microsoft.com/office/drawing/2014/main" id="{D54E4F7C-C73D-12D1-F865-FAE74B1DF539}"/>
+              </a:ext>
+            </a:extLst>
+          </p:cNvPr>
+          <p:cNvSpPr>
+            <a:spLocks noGrp="1"/>
+          </p:cNvSpPr>
+          <p:nvPr>
+            <p:ph type="pic" sz="quarter" idx="10"/>
+          </p:nvPr>
+        </p:nvSpPr>
+        <p:spPr/>
+      </p:sp>
+      <p:sp>
+        <p:nvSpPr>
           <p:cNvPr id="3" name="文本占位符 2">
             <a:extLst>
               <a:ext uri="{FF2B5EF4-FFF2-40B4-BE49-F238E27FC236}">
@@ -12375,34 +12393,22 @@
         </p:nvSpPr>
         <p:spPr/>
         <p:txBody>
-          <a:bodyPr/>
+          <a:bodyPr>
+            <a:normAutofit/>
+          </a:bodyPr>
           <a:lstStyle/>
           <a:p>
             <a:r>
-              <a:rPr lang="en-US" altLang="zh-CN" dirty="0"/>
+              <a:rPr lang="en-US" altLang="zh-CN" sz="4800" dirty="0">
+                <a:latin typeface="黑体" panose="02010609060101010101" pitchFamily="49" charset="-122"/>
+              </a:rPr>
               <a:t>title</a:t>
             </a:r>
-            <a:endParaRPr lang="zh-CN" altLang="en-US" dirty="0"/>
+            <a:endParaRPr lang="zh-CN" altLang="en-US" sz="4800" dirty="0">
+              <a:latin typeface="黑体" panose="02010609060101010101" pitchFamily="49" charset="-122"/>
+            </a:endParaRPr>
           </a:p>
         </p:txBody>
-      </p:sp>
-      <p:sp>
-        <p:nvSpPr>
-          <p:cNvPr id="4" name="图片占位符 3">
-            <a:extLst>
-              <a:ext uri="{FF2B5EF4-FFF2-40B4-BE49-F238E27FC236}">
-                <a16:creationId xmlns:a16="http://schemas.microsoft.com/office/drawing/2014/main" id="{64591D20-6E50-DA5D-4BF6-B608C9EEA2FF}"/>
-              </a:ext>
-            </a:extLst>
-          </p:cNvPr>
-          <p:cNvSpPr>
-            <a:spLocks noGrp="1"/>
-          </p:cNvSpPr>
-          <p:nvPr>
-            <p:ph type="pic" sz="quarter" idx="10"/>
-          </p:nvPr>
-        </p:nvSpPr>
-        <p:spPr/>
       </p:sp>
     </p:spTree>
     <p:extLst>
